--- a/スライド等/解説.pptx
+++ b/スライド等/解説.pptx
@@ -259,7 +259,7 @@
           <a:p>
             <a:fld id="{428E1A74-801E-4BAA-A5BA-E9C900E35832}" type="datetimeFigureOut">
               <a:rPr kumimoji="1" lang="ja-JP" altLang="en-US" smtClean="0"/>
-              <a:t>2022/12/9</a:t>
+              <a:t>2022/12/10</a:t>
             </a:fld>
             <a:endParaRPr kumimoji="1" lang="ja-JP" altLang="en-US"/>
           </a:p>
@@ -459,7 +459,7 @@
           <a:p>
             <a:fld id="{428E1A74-801E-4BAA-A5BA-E9C900E35832}" type="datetimeFigureOut">
               <a:rPr kumimoji="1" lang="ja-JP" altLang="en-US" smtClean="0"/>
-              <a:t>2022/12/9</a:t>
+              <a:t>2022/12/10</a:t>
             </a:fld>
             <a:endParaRPr kumimoji="1" lang="ja-JP" altLang="en-US"/>
           </a:p>
@@ -669,7 +669,7 @@
           <a:p>
             <a:fld id="{428E1A74-801E-4BAA-A5BA-E9C900E35832}" type="datetimeFigureOut">
               <a:rPr kumimoji="1" lang="ja-JP" altLang="en-US" smtClean="0"/>
-              <a:t>2022/12/9</a:t>
+              <a:t>2022/12/10</a:t>
             </a:fld>
             <a:endParaRPr kumimoji="1" lang="ja-JP" altLang="en-US"/>
           </a:p>
@@ -869,7 +869,7 @@
           <a:p>
             <a:fld id="{428E1A74-801E-4BAA-A5BA-E9C900E35832}" type="datetimeFigureOut">
               <a:rPr kumimoji="1" lang="ja-JP" altLang="en-US" smtClean="0"/>
-              <a:t>2022/12/9</a:t>
+              <a:t>2022/12/10</a:t>
             </a:fld>
             <a:endParaRPr kumimoji="1" lang="ja-JP" altLang="en-US"/>
           </a:p>
@@ -1114,7 +1114,7 @@
           <a:p>
             <a:fld id="{428E1A74-801E-4BAA-A5BA-E9C900E35832}" type="datetimeFigureOut">
               <a:rPr kumimoji="1" lang="ja-JP" altLang="en-US" smtClean="0"/>
-              <a:t>2022/12/9</a:t>
+              <a:t>2022/12/10</a:t>
             </a:fld>
             <a:endParaRPr kumimoji="1" lang="ja-JP" altLang="en-US"/>
           </a:p>
@@ -1407,7 +1407,7 @@
           <a:p>
             <a:fld id="{428E1A74-801E-4BAA-A5BA-E9C900E35832}" type="datetimeFigureOut">
               <a:rPr kumimoji="1" lang="ja-JP" altLang="en-US" smtClean="0"/>
-              <a:t>2022/12/9</a:t>
+              <a:t>2022/12/10</a:t>
             </a:fld>
             <a:endParaRPr kumimoji="1" lang="ja-JP" altLang="en-US"/>
           </a:p>
@@ -1835,7 +1835,7 @@
           <a:p>
             <a:fld id="{428E1A74-801E-4BAA-A5BA-E9C900E35832}" type="datetimeFigureOut">
               <a:rPr kumimoji="1" lang="ja-JP" altLang="en-US" smtClean="0"/>
-              <a:t>2022/12/9</a:t>
+              <a:t>2022/12/10</a:t>
             </a:fld>
             <a:endParaRPr kumimoji="1" lang="ja-JP" altLang="en-US"/>
           </a:p>
@@ -1952,7 +1952,7 @@
           <a:p>
             <a:fld id="{428E1A74-801E-4BAA-A5BA-E9C900E35832}" type="datetimeFigureOut">
               <a:rPr kumimoji="1" lang="ja-JP" altLang="en-US" smtClean="0"/>
-              <a:t>2022/12/9</a:t>
+              <a:t>2022/12/10</a:t>
             </a:fld>
             <a:endParaRPr kumimoji="1" lang="ja-JP" altLang="en-US"/>
           </a:p>
@@ -2047,7 +2047,7 @@
           <a:p>
             <a:fld id="{428E1A74-801E-4BAA-A5BA-E9C900E35832}" type="datetimeFigureOut">
               <a:rPr kumimoji="1" lang="ja-JP" altLang="en-US" smtClean="0"/>
-              <a:t>2022/12/9</a:t>
+              <a:t>2022/12/10</a:t>
             </a:fld>
             <a:endParaRPr kumimoji="1" lang="ja-JP" altLang="en-US"/>
           </a:p>
@@ -2354,7 +2354,7 @@
           <a:p>
             <a:fld id="{428E1A74-801E-4BAA-A5BA-E9C900E35832}" type="datetimeFigureOut">
               <a:rPr kumimoji="1" lang="ja-JP" altLang="en-US" smtClean="0"/>
-              <a:t>2022/12/9</a:t>
+              <a:t>2022/12/10</a:t>
             </a:fld>
             <a:endParaRPr kumimoji="1" lang="ja-JP" altLang="en-US"/>
           </a:p>
@@ -2606,7 +2606,7 @@
           <a:p>
             <a:fld id="{428E1A74-801E-4BAA-A5BA-E9C900E35832}" type="datetimeFigureOut">
               <a:rPr kumimoji="1" lang="ja-JP" altLang="en-US" smtClean="0"/>
-              <a:t>2022/12/9</a:t>
+              <a:t>2022/12/10</a:t>
             </a:fld>
             <a:endParaRPr kumimoji="1" lang="ja-JP" altLang="en-US"/>
           </a:p>
@@ -2849,7 +2849,7 @@
           <a:p>
             <a:fld id="{428E1A74-801E-4BAA-A5BA-E9C900E35832}" type="datetimeFigureOut">
               <a:rPr kumimoji="1" lang="ja-JP" altLang="en-US" smtClean="0"/>
-              <a:t>2022/12/9</a:t>
+              <a:t>2022/12/10</a:t>
             </a:fld>
             <a:endParaRPr kumimoji="1" lang="ja-JP" altLang="en-US"/>
           </a:p>
